--- a/1_pract/1 лекция.pptx
+++ b/1_pract/1 лекция.pptx
@@ -214,7 +214,7 @@
           <a:p>
             <a:fld id="{CB459D23-995A-5C40-8E40-2A0DEDDC56B2}" type="datetimeFigureOut">
               <a:rPr lang="ru-RU" smtClean="0"/>
-              <a:t>01.02.2026</a:t>
+              <a:t>03.02.2026</a:t>
             </a:fld>
             <a:endParaRPr lang="ru-RU"/>
           </a:p>
@@ -603,7 +603,7 @@
           <a:p>
             <a:fld id="{FAE28EF4-B7A5-E645-BAD4-16304AFEF7A2}" type="datetime1">
               <a:rPr lang="ru-RU" smtClean="0"/>
-              <a:t>01.02.2026</a:t>
+              <a:t>03.02.2026</a:t>
             </a:fld>
             <a:endParaRPr lang="ru-RU"/>
           </a:p>
@@ -776,7 +776,7 @@
           <a:p>
             <a:fld id="{71D84C0C-FDFE-1D41-A8A1-D3A20A2CC7E9}" type="datetime1">
               <a:rPr lang="ru-RU" smtClean="0"/>
-              <a:t>01.02.2026</a:t>
+              <a:t>03.02.2026</a:t>
             </a:fld>
             <a:endParaRPr lang="ru-RU"/>
           </a:p>
@@ -959,7 +959,7 @@
           <a:p>
             <a:fld id="{30970991-19BE-504C-8500-A9F611611E8B}" type="datetime1">
               <a:rPr lang="ru-RU" smtClean="0"/>
-              <a:t>01.02.2026</a:t>
+              <a:t>03.02.2026</a:t>
             </a:fld>
             <a:endParaRPr lang="ru-RU"/>
           </a:p>
@@ -1132,7 +1132,7 @@
           <a:p>
             <a:fld id="{4EBBA913-B5D8-644B-9DF1-FAA12DCA1373}" type="datetime1">
               <a:rPr lang="ru-RU" smtClean="0"/>
-              <a:t>01.02.2026</a:t>
+              <a:t>03.02.2026</a:t>
             </a:fld>
             <a:endParaRPr lang="ru-RU"/>
           </a:p>
@@ -1410,7 +1410,7 @@
           <a:p>
             <a:fld id="{C40CFE78-B8C9-9345-9E20-42027A2C2BCF}" type="datetime1">
               <a:rPr lang="ru-RU" smtClean="0"/>
-              <a:t>01.02.2026</a:t>
+              <a:t>03.02.2026</a:t>
             </a:fld>
             <a:endParaRPr lang="ru-RU"/>
           </a:p>
@@ -1625,7 +1625,7 @@
           <a:p>
             <a:fld id="{3E83B37C-A8F0-D04B-96F6-8ECCD748D203}" type="datetime1">
               <a:rPr lang="ru-RU" smtClean="0"/>
-              <a:t>01.02.2026</a:t>
+              <a:t>03.02.2026</a:t>
             </a:fld>
             <a:endParaRPr lang="ru-RU"/>
           </a:p>
@@ -1993,7 +1993,7 @@
           <a:p>
             <a:fld id="{17D80DB2-86D0-8F41-BF0F-6AD758615A83}" type="datetime1">
               <a:rPr lang="ru-RU" smtClean="0"/>
-              <a:t>01.02.2026</a:t>
+              <a:t>03.02.2026</a:t>
             </a:fld>
             <a:endParaRPr lang="ru-RU"/>
           </a:p>
@@ -2134,7 +2134,7 @@
           <a:p>
             <a:fld id="{CFFCADC4-747C-B840-9E78-4EC6A1173D8F}" type="datetime1">
               <a:rPr lang="ru-RU" smtClean="0"/>
-              <a:t>01.02.2026</a:t>
+              <a:t>03.02.2026</a:t>
             </a:fld>
             <a:endParaRPr lang="ru-RU"/>
           </a:p>
@@ -2247,7 +2247,7 @@
           <a:p>
             <a:fld id="{D7CF9CD8-69B9-184B-BEF2-E15A1A6BD144}" type="datetime1">
               <a:rPr lang="ru-RU" smtClean="0"/>
-              <a:t>01.02.2026</a:t>
+              <a:t>03.02.2026</a:t>
             </a:fld>
             <a:endParaRPr lang="ru-RU"/>
           </a:p>
@@ -2536,7 +2536,7 @@
           <a:p>
             <a:fld id="{EDD2CDE0-90A8-4E42-8CBC-B5A612C5A232}" type="datetime1">
               <a:rPr lang="ru-RU" smtClean="0"/>
-              <a:t>01.02.2026</a:t>
+              <a:t>03.02.2026</a:t>
             </a:fld>
             <a:endParaRPr lang="ru-RU"/>
           </a:p>
@@ -2827,7 +2827,7 @@
           <a:p>
             <a:fld id="{913FFF8C-483D-0E46-A85F-F0031407D124}" type="datetime1">
               <a:rPr lang="ru-RU" smtClean="0"/>
-              <a:t>01.02.2026</a:t>
+              <a:t>03.02.2026</a:t>
             </a:fld>
             <a:endParaRPr lang="ru-RU"/>
           </a:p>
@@ -3043,7 +3043,7 @@
           <a:p>
             <a:fld id="{ACBED625-D3F7-6E47-9DB0-29376AC6D566}" type="datetime1">
               <a:rPr lang="ru-RU" smtClean="0"/>
-              <a:t>01.02.2026</a:t>
+              <a:t>03.02.2026</a:t>
             </a:fld>
             <a:endParaRPr lang="ru-RU"/>
           </a:p>
@@ -3488,79 +3488,27 @@
           <a:lstStyle/>
           <a:p>
             <a:r>
-              <a:rPr lang="en" dirty="0">
-                <a:latin typeface="Times New Roman" panose="02020603050405020304" pitchFamily="18" charset="0"/>
-                <a:cs typeface="Times New Roman" panose="02020603050405020304" pitchFamily="18" charset="0"/>
-              </a:rPr>
-              <a:t>Web-</a:t>
+              <a:rPr lang="en-US" dirty="0">
+                <a:latin typeface="Times New Roman" panose="02020603050405020304" pitchFamily="18" charset="0"/>
+                <a:cs typeface="Times New Roman" panose="02020603050405020304" pitchFamily="18" charset="0"/>
+              </a:rPr>
+              <a:t>HTTP, </a:t>
             </a:r>
             <a:r>
               <a:rPr lang="ru-RU" dirty="0">
                 <a:latin typeface="Times New Roman" panose="02020603050405020304" pitchFamily="18" charset="0"/>
                 <a:cs typeface="Times New Roman" panose="02020603050405020304" pitchFamily="18" charset="0"/>
               </a:rPr>
-              <a:t>технологии</a:t>
-            </a:r>
-          </a:p>
-        </p:txBody>
-      </p:sp>
-      <p:sp>
-        <p:nvSpPr>
-          <p:cNvPr id="3" name="Подзаголовок 2">
-            <a:extLst>
-              <a:ext uri="{FF2B5EF4-FFF2-40B4-BE49-F238E27FC236}">
-                <a16:creationId xmlns:a16="http://schemas.microsoft.com/office/drawing/2014/main" id="{1EC5A24F-285A-CB48-9DC0-916DBCB22360}"/>
-              </a:ext>
-            </a:extLst>
-          </p:cNvPr>
-          <p:cNvSpPr>
-            <a:spLocks noGrp="1"/>
-          </p:cNvSpPr>
-          <p:nvPr>
-            <p:ph type="subTitle" idx="1"/>
-          </p:nvPr>
-        </p:nvSpPr>
-        <p:spPr>
-          <a:xfrm>
-            <a:off x="1524000" y="3602038"/>
-            <a:ext cx="9144000" cy="1655762"/>
-          </a:xfrm>
-        </p:spPr>
-        <p:txBody>
-          <a:bodyPr/>
-          <a:lstStyle/>
-          <a:p>
-            <a:r>
-              <a:rPr lang="ru-RU" i="1" dirty="0">
-                <a:latin typeface="Times New Roman" panose="02020603050405020304" pitchFamily="18" charset="0"/>
-                <a:cs typeface="Times New Roman" panose="02020603050405020304" pitchFamily="18" charset="0"/>
-              </a:rPr>
-              <a:t>Лекция № 1</a:t>
-            </a:r>
-          </a:p>
-          <a:p>
-            <a:r>
-              <a:rPr lang="ru-RU" sz="2800" b="1" dirty="0">
-                <a:latin typeface="Times New Roman" panose="02020603050405020304" pitchFamily="18" charset="0"/>
-                <a:cs typeface="Times New Roman" panose="02020603050405020304" pitchFamily="18" charset="0"/>
-              </a:rPr>
-              <a:t>Тема</a:t>
-            </a:r>
-            <a:r>
-              <a:rPr lang="en-US" sz="2800" b="1" dirty="0">
-                <a:latin typeface="Times New Roman" panose="02020603050405020304" pitchFamily="18" charset="0"/>
-                <a:cs typeface="Times New Roman" panose="02020603050405020304" pitchFamily="18" charset="0"/>
-              </a:rPr>
-              <a:t>:</a:t>
-            </a:r>
-            <a:r>
-              <a:rPr lang="en-US" sz="2800" dirty="0">
-                <a:latin typeface="Times New Roman" panose="02020603050405020304" pitchFamily="18" charset="0"/>
-                <a:cs typeface="Times New Roman" panose="02020603050405020304" pitchFamily="18" charset="0"/>
-              </a:rPr>
-              <a:t> HTTP</a:t>
-            </a:r>
-            <a:endParaRPr lang="ru-RU" sz="2800" dirty="0">
+              <a:t>Работа с </a:t>
+            </a:r>
+            <a:r>
+              <a:rPr lang="en-US" dirty="0">
+                <a:latin typeface="Times New Roman" panose="02020603050405020304" pitchFamily="18" charset="0"/>
+                <a:cs typeface="Times New Roman" panose="02020603050405020304" pitchFamily="18" charset="0"/>
+              </a:rPr>
+              <a:t>API</a:t>
+            </a:r>
+            <a:endParaRPr lang="ru-RU" dirty="0">
               <a:latin typeface="Times New Roman" panose="02020603050405020304" pitchFamily="18" charset="0"/>
               <a:cs typeface="Times New Roman" panose="02020603050405020304" pitchFamily="18" charset="0"/>
             </a:endParaRPr>
